--- a/absorption/two-photon enhancement.pptx
+++ b/absorption/two-photon enhancement.pptx
@@ -275,7 +275,7 @@
           <a:p>
             <a:fld id="{EF0E2C6E-8589-4858-AA36-223693CBBC40}" type="datetimeFigureOut">
               <a:rPr lang="en-US" smtClean="0"/>
-              <a:t>7/17/2019</a:t>
+              <a:t>7/19/2019</a:t>
             </a:fld>
             <a:endParaRPr lang="en-US"/>
           </a:p>
@@ -473,7 +473,7 @@
           <a:p>
             <a:fld id="{EF0E2C6E-8589-4858-AA36-223693CBBC40}" type="datetimeFigureOut">
               <a:rPr lang="en-US" smtClean="0"/>
-              <a:t>7/17/2019</a:t>
+              <a:t>7/19/2019</a:t>
             </a:fld>
             <a:endParaRPr lang="en-US"/>
           </a:p>
@@ -681,7 +681,7 @@
           <a:p>
             <a:fld id="{EF0E2C6E-8589-4858-AA36-223693CBBC40}" type="datetimeFigureOut">
               <a:rPr lang="en-US" smtClean="0"/>
-              <a:t>7/17/2019</a:t>
+              <a:t>7/19/2019</a:t>
             </a:fld>
             <a:endParaRPr lang="en-US"/>
           </a:p>
@@ -879,7 +879,7 @@
           <a:p>
             <a:fld id="{EF0E2C6E-8589-4858-AA36-223693CBBC40}" type="datetimeFigureOut">
               <a:rPr lang="en-US" smtClean="0"/>
-              <a:t>7/17/2019</a:t>
+              <a:t>7/19/2019</a:t>
             </a:fld>
             <a:endParaRPr lang="en-US"/>
           </a:p>
@@ -1154,7 +1154,7 @@
           <a:p>
             <a:fld id="{EF0E2C6E-8589-4858-AA36-223693CBBC40}" type="datetimeFigureOut">
               <a:rPr lang="en-US" smtClean="0"/>
-              <a:t>7/17/2019</a:t>
+              <a:t>7/19/2019</a:t>
             </a:fld>
             <a:endParaRPr lang="en-US"/>
           </a:p>
@@ -1419,7 +1419,7 @@
           <a:p>
             <a:fld id="{EF0E2C6E-8589-4858-AA36-223693CBBC40}" type="datetimeFigureOut">
               <a:rPr lang="en-US" smtClean="0"/>
-              <a:t>7/17/2019</a:t>
+              <a:t>7/19/2019</a:t>
             </a:fld>
             <a:endParaRPr lang="en-US"/>
           </a:p>
@@ -1831,7 +1831,7 @@
           <a:p>
             <a:fld id="{EF0E2C6E-8589-4858-AA36-223693CBBC40}" type="datetimeFigureOut">
               <a:rPr lang="en-US" smtClean="0"/>
-              <a:t>7/17/2019</a:t>
+              <a:t>7/19/2019</a:t>
             </a:fld>
             <a:endParaRPr lang="en-US"/>
           </a:p>
@@ -1972,7 +1972,7 @@
           <a:p>
             <a:fld id="{EF0E2C6E-8589-4858-AA36-223693CBBC40}" type="datetimeFigureOut">
               <a:rPr lang="en-US" smtClean="0"/>
-              <a:t>7/17/2019</a:t>
+              <a:t>7/19/2019</a:t>
             </a:fld>
             <a:endParaRPr lang="en-US"/>
           </a:p>
@@ -2085,7 +2085,7 @@
           <a:p>
             <a:fld id="{EF0E2C6E-8589-4858-AA36-223693CBBC40}" type="datetimeFigureOut">
               <a:rPr lang="en-US" smtClean="0"/>
-              <a:t>7/17/2019</a:t>
+              <a:t>7/19/2019</a:t>
             </a:fld>
             <a:endParaRPr lang="en-US"/>
           </a:p>
@@ -2396,7 +2396,7 @@
           <a:p>
             <a:fld id="{EF0E2C6E-8589-4858-AA36-223693CBBC40}" type="datetimeFigureOut">
               <a:rPr lang="en-US" smtClean="0"/>
-              <a:t>7/17/2019</a:t>
+              <a:t>7/19/2019</a:t>
             </a:fld>
             <a:endParaRPr lang="en-US"/>
           </a:p>
@@ -2684,7 +2684,7 @@
           <a:p>
             <a:fld id="{EF0E2C6E-8589-4858-AA36-223693CBBC40}" type="datetimeFigureOut">
               <a:rPr lang="en-US" smtClean="0"/>
-              <a:t>7/17/2019</a:t>
+              <a:t>7/19/2019</a:t>
             </a:fld>
             <a:endParaRPr lang="en-US"/>
           </a:p>
@@ -2925,7 +2925,7 @@
           <a:p>
             <a:fld id="{EF0E2C6E-8589-4858-AA36-223693CBBC40}" type="datetimeFigureOut">
               <a:rPr lang="en-US" smtClean="0"/>
-              <a:t>7/17/2019</a:t>
+              <a:t>7/19/2019</a:t>
             </a:fld>
             <a:endParaRPr lang="en-US"/>
           </a:p>
@@ -5029,8 +5029,8 @@
           </a:fontRef>
         </p:style>
       </p:cxnSp>
-      <mc:AlternateContent xmlns:mc="http://schemas.openxmlformats.org/markup-compatibility/2006">
-        <mc:Choice xmlns:a14="http://schemas.microsoft.com/office/drawing/2010/main" Requires="a14">
+      <mc:AlternateContent xmlns:mc="http://schemas.openxmlformats.org/markup-compatibility/2006" xmlns:a14="http://schemas.microsoft.com/office/drawing/2010/main">
+        <mc:Choice Requires="a14">
           <p:sp>
             <p:nvSpPr>
               <p:cNvPr id="21" name="TextBox 20">
@@ -5774,7 +5774,7 @@
             </p:txBody>
           </p:sp>
         </mc:Choice>
-        <mc:Fallback>
+        <mc:Fallback xmlns="">
           <p:sp>
             <p:nvSpPr>
               <p:cNvPr id="21" name="TextBox 20">
@@ -6173,6 +6173,68 @@
           </a:prstGeom>
         </p:spPr>
       </p:pic>
+      <p:sp>
+        <p:nvSpPr>
+          <p:cNvPr id="3" name="TextBox 2">
+            <a:extLst>
+              <a:ext uri="{FF2B5EF4-FFF2-40B4-BE49-F238E27FC236}">
+                <a16:creationId xmlns:a16="http://schemas.microsoft.com/office/drawing/2014/main" id="{ACEEF80B-B9DE-464B-BF13-553C856FB989}"/>
+              </a:ext>
+            </a:extLst>
+          </p:cNvPr>
+          <p:cNvSpPr txBox="1"/>
+          <p:nvPr/>
+        </p:nvSpPr>
+        <p:spPr>
+          <a:xfrm>
+            <a:off x="356390" y="5024673"/>
+            <a:ext cx="3606525" cy="1200329"/>
+          </a:xfrm>
+          <a:prstGeom prst="rect">
+            <a:avLst/>
+          </a:prstGeom>
+          <a:noFill/>
+        </p:spPr>
+        <p:txBody>
+          <a:bodyPr wrap="square" rtlCol="0">
+            <a:spAutoFit/>
+          </a:bodyPr>
+          <a:lstStyle/>
+          <a:p>
+            <a:r>
+              <a:rPr lang="en-US" dirty="0">
+                <a:latin typeface="Arial" panose="020B0604020202020204" pitchFamily="34" charset="0"/>
+                <a:cs typeface="Arial" panose="020B0604020202020204" pitchFamily="34" charset="0"/>
+              </a:rPr>
+              <a:t>compared to: </a:t>
+            </a:r>
+          </a:p>
+          <a:p>
+            <a:pPr marL="285750" indent="-285750">
+              <a:buFont typeface="Arial" panose="020B0604020202020204" pitchFamily="34" charset="0"/>
+              <a:buChar char="•"/>
+            </a:pPr>
+            <a:r>
+              <a:rPr lang="en-US" dirty="0">
+                <a:latin typeface="Arial" panose="020B0604020202020204" pitchFamily="34" charset="0"/>
+                <a:cs typeface="Arial" panose="020B0604020202020204" pitchFamily="34" charset="0"/>
+              </a:rPr>
+              <a:t>coherent state and squeezed coherent state(in lithography, </a:t>
+            </a:r>
+            <a:r>
+              <a:rPr lang="en-US">
+                <a:latin typeface="Arial" panose="020B0604020202020204" pitchFamily="34" charset="0"/>
+                <a:cs typeface="Arial" panose="020B0604020202020204" pitchFamily="34" charset="0"/>
+              </a:rPr>
+              <a:t>entanglement enhances abs)</a:t>
+            </a:r>
+            <a:endParaRPr lang="en-US" dirty="0">
+              <a:latin typeface="Arial" panose="020B0604020202020204" pitchFamily="34" charset="0"/>
+              <a:cs typeface="Arial" panose="020B0604020202020204" pitchFamily="34" charset="0"/>
+            </a:endParaRPr>
+          </a:p>
+        </p:txBody>
+      </p:sp>
     </p:spTree>
     <p:extLst>
       <p:ext uri="{BB962C8B-B14F-4D97-AF65-F5344CB8AC3E}">
@@ -6734,8 +6796,8 @@
           </a:fontRef>
         </p:style>
       </p:cxnSp>
-      <mc:AlternateContent xmlns:mc="http://schemas.openxmlformats.org/markup-compatibility/2006" xmlns:a14="http://schemas.microsoft.com/office/drawing/2010/main">
-        <mc:Choice Requires="a14">
+      <mc:AlternateContent xmlns:mc="http://schemas.openxmlformats.org/markup-compatibility/2006">
+        <mc:Choice xmlns:a14="http://schemas.microsoft.com/office/drawing/2010/main" Requires="a14">
           <p:sp>
             <p:nvSpPr>
               <p:cNvPr id="21" name="TextBox 20">
@@ -6750,7 +6812,7 @@
             </p:nvSpPr>
             <p:spPr>
               <a:xfrm>
-                <a:off x="5898959" y="440040"/>
+                <a:off x="5819899" y="201626"/>
                 <a:ext cx="6641869" cy="5977919"/>
               </a:xfrm>
               <a:prstGeom prst="rect">
@@ -7829,7 +7891,7 @@
             </p:txBody>
           </p:sp>
         </mc:Choice>
-        <mc:Fallback xmlns="">
+        <mc:Fallback>
           <p:sp>
             <p:nvSpPr>
               <p:cNvPr id="21" name="TextBox 20">
@@ -7846,7 +7908,7 @@
             </p:nvSpPr>
             <p:spPr>
               <a:xfrm>
-                <a:off x="5898959" y="440040"/>
+                <a:off x="5819899" y="201626"/>
                 <a:ext cx="6641869" cy="5977919"/>
               </a:xfrm>
               <a:prstGeom prst="rect">
@@ -8198,8 +8260,8 @@
           </p:sp>
         </mc:Fallback>
       </mc:AlternateContent>
-      <mc:AlternateContent xmlns:mc="http://schemas.openxmlformats.org/markup-compatibility/2006">
-        <mc:Choice xmlns:a14="http://schemas.microsoft.com/office/drawing/2010/main" Requires="a14">
+      <mc:AlternateContent xmlns:mc="http://schemas.openxmlformats.org/markup-compatibility/2006" xmlns:a14="http://schemas.microsoft.com/office/drawing/2010/main">
+        <mc:Choice Requires="a14">
           <p:sp>
             <p:nvSpPr>
               <p:cNvPr id="2" name="TextBox 1">
@@ -8275,7 +8337,7 @@
             </p:txBody>
           </p:sp>
         </mc:Choice>
-        <mc:Fallback>
+        <mc:Fallback xmlns="">
           <p:sp>
             <p:nvSpPr>
               <p:cNvPr id="2" name="TextBox 1">
